--- a/lesson18.pptx
+++ b/lesson18.pptx
@@ -5,7 +5,7 @@
     <p:sldMasterId id="2147483648" r:id="rId1"/>
   </p:sldMasterIdLst>
   <p:notesMasterIdLst>
-    <p:notesMasterId r:id="rId10"/>
+    <p:notesMasterId r:id="rId12"/>
   </p:notesMasterIdLst>
   <p:sldIdLst>
     <p:sldId id="538" r:id="rId2"/>
@@ -16,6 +16,8 @@
     <p:sldId id="557" r:id="rId7"/>
     <p:sldId id="582" r:id="rId8"/>
     <p:sldId id="583" r:id="rId9"/>
+    <p:sldId id="584" r:id="rId10"/>
+    <p:sldId id="568" r:id="rId11"/>
   </p:sldIdLst>
   <p:sldSz cx="12192000" cy="6858000"/>
   <p:notesSz cx="6858000" cy="9144000"/>
@@ -136,7 +138,7 @@
 <file path=ppt/revisionInfo.xml><?xml version="1.0" encoding="utf-8"?>
 <p1510:revInfo xmlns:a="http://schemas.openxmlformats.org/drawingml/2006/main" xmlns:r="http://schemas.openxmlformats.org/officeDocument/2006/relationships" xmlns:p1510="http://schemas.microsoft.com/office/powerpoint/2015/10/main">
   <p1510:revLst>
-    <p1510:client id="{B6FFE75B-F0B9-43E1-819A-793E44D8F0B6}" v="1" dt="2023-07-09T09:33:51.221"/>
+    <p1510:client id="{B6FFE75B-F0B9-43E1-819A-793E44D8F0B6}" v="5" dt="2023-07-10T15:06:30.733"/>
   </p1510:revLst>
 </p1510:revInfo>
 </file>
@@ -650,7 +652,7 @@
   <pc:docChgLst>
     <pc:chgData name="Anatoliy Kigel" userId="7432c6c4687b0a9c" providerId="LiveId" clId="{B6FFE75B-F0B9-43E1-819A-793E44D8F0B6}"/>
     <pc:docChg chg="undo custSel addSld delSld modSld">
-      <pc:chgData name="Anatoliy Kigel" userId="7432c6c4687b0a9c" providerId="LiveId" clId="{B6FFE75B-F0B9-43E1-819A-793E44D8F0B6}" dt="2023-07-09T09:35:11.919" v="151" actId="1036"/>
+      <pc:chgData name="Anatoliy Kigel" userId="7432c6c4687b0a9c" providerId="LiveId" clId="{B6FFE75B-F0B9-43E1-819A-793E44D8F0B6}" dt="2023-07-10T15:20:36.744" v="275" actId="1076"/>
       <pc:docMkLst>
         <pc:docMk/>
       </pc:docMkLst>
@@ -714,6 +716,93 @@
           </ac:picMkLst>
         </pc:picChg>
       </pc:sldChg>
+      <pc:sldChg chg="addSp delSp modSp add mod">
+        <pc:chgData name="Anatoliy Kigel" userId="7432c6c4687b0a9c" providerId="LiveId" clId="{B6FFE75B-F0B9-43E1-819A-793E44D8F0B6}" dt="2023-07-10T15:20:36.744" v="275" actId="1076"/>
+        <pc:sldMkLst>
+          <pc:docMk/>
+          <pc:sldMk cId="1614643305" sldId="568"/>
+        </pc:sldMkLst>
+        <pc:spChg chg="mod">
+          <ac:chgData name="Anatoliy Kigel" userId="7432c6c4687b0a9c" providerId="LiveId" clId="{B6FFE75B-F0B9-43E1-819A-793E44D8F0B6}" dt="2023-07-10T15:06:33.162" v="187" actId="1076"/>
+          <ac:spMkLst>
+            <pc:docMk/>
+            <pc:sldMk cId="1614643305" sldId="568"/>
+            <ac:spMk id="3" creationId="{00000000-0000-0000-0000-000000000000}"/>
+          </ac:spMkLst>
+        </pc:spChg>
+        <pc:spChg chg="del">
+          <ac:chgData name="Anatoliy Kigel" userId="7432c6c4687b0a9c" providerId="LiveId" clId="{B6FFE75B-F0B9-43E1-819A-793E44D8F0B6}" dt="2023-07-10T15:04:41.941" v="181" actId="478"/>
+          <ac:spMkLst>
+            <pc:docMk/>
+            <pc:sldMk cId="1614643305" sldId="568"/>
+            <ac:spMk id="4" creationId="{00000000-0000-0000-0000-000000000000}"/>
+          </ac:spMkLst>
+        </pc:spChg>
+        <pc:spChg chg="add mod">
+          <ac:chgData name="Anatoliy Kigel" userId="7432c6c4687b0a9c" providerId="LiveId" clId="{B6FFE75B-F0B9-43E1-819A-793E44D8F0B6}" dt="2023-07-10T15:07:03.690" v="248" actId="1035"/>
+          <ac:spMkLst>
+            <pc:docMk/>
+            <pc:sldMk cId="1614643305" sldId="568"/>
+            <ac:spMk id="5" creationId="{95C4D8B3-35DB-8667-1D3F-53671699725C}"/>
+          </ac:spMkLst>
+        </pc:spChg>
+        <pc:spChg chg="add mod">
+          <ac:chgData name="Anatoliy Kigel" userId="7432c6c4687b0a9c" providerId="LiveId" clId="{B6FFE75B-F0B9-43E1-819A-793E44D8F0B6}" dt="2023-07-10T15:07:05.979" v="253" actId="1036"/>
+          <ac:spMkLst>
+            <pc:docMk/>
+            <pc:sldMk cId="1614643305" sldId="568"/>
+            <ac:spMk id="7" creationId="{DCC7E139-D097-9142-91DF-9A0A0E8C2D68}"/>
+          </ac:spMkLst>
+        </pc:spChg>
+        <pc:spChg chg="del">
+          <ac:chgData name="Anatoliy Kigel" userId="7432c6c4687b0a9c" providerId="LiveId" clId="{B6FFE75B-F0B9-43E1-819A-793E44D8F0B6}" dt="2023-07-10T15:04:44.025" v="183" actId="478"/>
+          <ac:spMkLst>
+            <pc:docMk/>
+            <pc:sldMk cId="1614643305" sldId="568"/>
+            <ac:spMk id="9" creationId="{00000000-0000-0000-0000-000000000000}"/>
+          </ac:spMkLst>
+        </pc:spChg>
+        <pc:picChg chg="add del mod">
+          <ac:chgData name="Anatoliy Kigel" userId="7432c6c4687b0a9c" providerId="LiveId" clId="{B6FFE75B-F0B9-43E1-819A-793E44D8F0B6}" dt="2023-07-10T15:06:33.759" v="188" actId="478"/>
+          <ac:picMkLst>
+            <pc:docMk/>
+            <pc:sldMk cId="1614643305" sldId="568"/>
+            <ac:picMk id="2" creationId="{64A239CC-02E5-E7E4-FAAD-16BDC8DF813E}"/>
+          </ac:picMkLst>
+        </pc:picChg>
+        <pc:picChg chg="del">
+          <ac:chgData name="Anatoliy Kigel" userId="7432c6c4687b0a9c" providerId="LiveId" clId="{B6FFE75B-F0B9-43E1-819A-793E44D8F0B6}" dt="2023-07-10T15:04:42.664" v="182" actId="478"/>
+          <ac:picMkLst>
+            <pc:docMk/>
+            <pc:sldMk cId="1614643305" sldId="568"/>
+            <ac:picMk id="6" creationId="{00000000-0000-0000-0000-000000000000}"/>
+          </ac:picMkLst>
+        </pc:picChg>
+        <pc:picChg chg="del">
+          <ac:chgData name="Anatoliy Kigel" userId="7432c6c4687b0a9c" providerId="LiveId" clId="{B6FFE75B-F0B9-43E1-819A-793E44D8F0B6}" dt="2023-07-10T15:04:41.012" v="180" actId="478"/>
+          <ac:picMkLst>
+            <pc:docMk/>
+            <pc:sldMk cId="1614643305" sldId="568"/>
+            <ac:picMk id="8" creationId="{46A27C18-4301-4751-A6D1-6B5CAC084A86}"/>
+          </ac:picMkLst>
+        </pc:picChg>
+        <pc:picChg chg="add del mod modCrop">
+          <ac:chgData name="Anatoliy Kigel" userId="7432c6c4687b0a9c" providerId="LiveId" clId="{B6FFE75B-F0B9-43E1-819A-793E44D8F0B6}" dt="2023-07-10T15:20:29.229" v="270" actId="478"/>
+          <ac:picMkLst>
+            <pc:docMk/>
+            <pc:sldMk cId="1614643305" sldId="568"/>
+            <ac:picMk id="11" creationId="{AC308167-E22A-0F94-7A06-244FCB191C7D}"/>
+          </ac:picMkLst>
+        </pc:picChg>
+        <pc:picChg chg="add mod">
+          <ac:chgData name="Anatoliy Kigel" userId="7432c6c4687b0a9c" providerId="LiveId" clId="{B6FFE75B-F0B9-43E1-819A-793E44D8F0B6}" dt="2023-07-10T15:20:36.744" v="275" actId="1076"/>
+          <ac:picMkLst>
+            <pc:docMk/>
+            <pc:sldMk cId="1614643305" sldId="568"/>
+            <ac:picMk id="13" creationId="{310E6DD1-2B8B-FAA1-E852-BD914763C603}"/>
+          </ac:picMkLst>
+        </pc:picChg>
+      </pc:sldChg>
       <pc:sldChg chg="modSp mod">
         <pc:chgData name="Anatoliy Kigel" userId="7432c6c4687b0a9c" providerId="LiveId" clId="{B6FFE75B-F0B9-43E1-819A-793E44D8F0B6}" dt="2023-07-09T09:20:58.265" v="2" actId="20577"/>
         <pc:sldMkLst>
@@ -822,6 +911,21 @@
           <ac:spMkLst>
             <pc:docMk/>
             <pc:sldMk cId="3807967643" sldId="583"/>
+            <ac:spMk id="5" creationId="{00000000-0000-0000-0000-000000000000}"/>
+          </ac:spMkLst>
+        </pc:spChg>
+      </pc:sldChg>
+      <pc:sldChg chg="modSp add mod">
+        <pc:chgData name="Anatoliy Kigel" userId="7432c6c4687b0a9c" providerId="LiveId" clId="{B6FFE75B-F0B9-43E1-819A-793E44D8F0B6}" dt="2023-07-10T15:04:16.949" v="176" actId="20577"/>
+        <pc:sldMkLst>
+          <pc:docMk/>
+          <pc:sldMk cId="1597000273" sldId="584"/>
+        </pc:sldMkLst>
+        <pc:spChg chg="mod">
+          <ac:chgData name="Anatoliy Kigel" userId="7432c6c4687b0a9c" providerId="LiveId" clId="{B6FFE75B-F0B9-43E1-819A-793E44D8F0B6}" dt="2023-07-10T15:04:16.949" v="176" actId="20577"/>
+          <ac:spMkLst>
+            <pc:docMk/>
+            <pc:sldMk cId="1597000273" sldId="584"/>
             <ac:spMk id="5" creationId="{00000000-0000-0000-0000-000000000000}"/>
           </ac:spMkLst>
         </pc:spChg>
@@ -1911,7 +2015,7 @@
             <a:fld id="{85522811-C5C6-42D2-A409-F8556720C93F}" type="datetimeFigureOut">
               <a:rPr lang="uk-UA" smtClean="0"/>
               <a:pPr/>
-              <a:t>09.07.2023</a:t>
+              <a:t>10.07.2023</a:t>
             </a:fld>
             <a:endParaRPr lang="uk-UA"/>
           </a:p>
@@ -2451,7 +2555,7 @@
             <a:fld id="{E6FC6B0D-6115-4D7C-8040-9C8E2349BB6E}" type="datetime1">
               <a:rPr lang="uk-UA" smtClean="0"/>
               <a:pPr/>
-              <a:t>09.07.2023</a:t>
+              <a:t>10.07.2023</a:t>
             </a:fld>
             <a:endParaRPr lang="uk-UA"/>
           </a:p>
@@ -2618,7 +2722,7 @@
             <a:fld id="{996367BA-0A39-4DE2-BFC3-D5290044365E}" type="datetime1">
               <a:rPr lang="uk-UA" smtClean="0"/>
               <a:pPr/>
-              <a:t>09.07.2023</a:t>
+              <a:t>10.07.2023</a:t>
             </a:fld>
             <a:endParaRPr lang="uk-UA"/>
           </a:p>
@@ -2795,7 +2899,7 @@
             <a:fld id="{1BD6A67F-6C29-47DC-AF8A-FDB3C787DF70}" type="datetime1">
               <a:rPr lang="uk-UA" smtClean="0"/>
               <a:pPr/>
-              <a:t>09.07.2023</a:t>
+              <a:t>10.07.2023</a:t>
             </a:fld>
             <a:endParaRPr lang="uk-UA"/>
           </a:p>
@@ -2962,7 +3066,7 @@
             <a:fld id="{1657D9C5-7FF1-434F-B56E-9BAD559744E9}" type="datetime1">
               <a:rPr lang="uk-UA" smtClean="0"/>
               <a:pPr/>
-              <a:t>09.07.2023</a:t>
+              <a:t>10.07.2023</a:t>
             </a:fld>
             <a:endParaRPr lang="uk-UA"/>
           </a:p>
@@ -3205,7 +3309,7 @@
             <a:fld id="{2CEB0FC9-DE63-476B-A1A9-BE934D9049F8}" type="datetime1">
               <a:rPr lang="uk-UA" smtClean="0"/>
               <a:pPr/>
-              <a:t>09.07.2023</a:t>
+              <a:t>10.07.2023</a:t>
             </a:fld>
             <a:endParaRPr lang="uk-UA"/>
           </a:p>
@@ -3490,7 +3594,7 @@
             <a:fld id="{F964460F-86E2-4DF6-9D0F-12F5005CF375}" type="datetime1">
               <a:rPr lang="uk-UA" smtClean="0"/>
               <a:pPr/>
-              <a:t>09.07.2023</a:t>
+              <a:t>10.07.2023</a:t>
             </a:fld>
             <a:endParaRPr lang="uk-UA"/>
           </a:p>
@@ -3909,7 +4013,7 @@
             <a:fld id="{C521715E-DDCD-4267-B0A5-2918B6F6768A}" type="datetime1">
               <a:rPr lang="uk-UA" smtClean="0"/>
               <a:pPr/>
-              <a:t>09.07.2023</a:t>
+              <a:t>10.07.2023</a:t>
             </a:fld>
             <a:endParaRPr lang="uk-UA"/>
           </a:p>
@@ -4024,7 +4128,7 @@
             <a:fld id="{9289842C-EB2D-4EBB-A272-2F6A49D9794D}" type="datetime1">
               <a:rPr lang="uk-UA" smtClean="0"/>
               <a:pPr/>
-              <a:t>09.07.2023</a:t>
+              <a:t>10.07.2023</a:t>
             </a:fld>
             <a:endParaRPr lang="uk-UA"/>
           </a:p>
@@ -4116,7 +4220,7 @@
             <a:fld id="{D036F091-B700-4B52-99AC-85D0FD94D904}" type="datetime1">
               <a:rPr lang="uk-UA" smtClean="0"/>
               <a:pPr/>
-              <a:t>09.07.2023</a:t>
+              <a:t>10.07.2023</a:t>
             </a:fld>
             <a:endParaRPr lang="uk-UA"/>
           </a:p>
@@ -4390,7 +4494,7 @@
             <a:fld id="{B35DFABA-3811-4634-B803-2EAC4CD0063B}" type="datetime1">
               <a:rPr lang="uk-UA" smtClean="0"/>
               <a:pPr/>
-              <a:t>09.07.2023</a:t>
+              <a:t>10.07.2023</a:t>
             </a:fld>
             <a:endParaRPr lang="uk-UA"/>
           </a:p>
@@ -4640,7 +4744,7 @@
             <a:fld id="{8A9EA25E-F88E-463A-A119-D1E55A881002}" type="datetime1">
               <a:rPr lang="uk-UA" smtClean="0"/>
               <a:pPr/>
-              <a:t>09.07.2023</a:t>
+              <a:t>10.07.2023</a:t>
             </a:fld>
             <a:endParaRPr lang="uk-UA"/>
           </a:p>
@@ -4850,7 +4954,7 @@
             <a:fld id="{E708ED03-0080-49A2-B709-7DA4ACB3A1C3}" type="datetime1">
               <a:rPr lang="uk-UA" smtClean="0"/>
               <a:pPr/>
-              <a:t>09.07.2023</a:t>
+              <a:t>10.07.2023</a:t>
             </a:fld>
             <a:endParaRPr lang="uk-UA"/>
           </a:p>
@@ -5469,6 +5573,657 @@
 </p:sld>
 </file>
 
+<file path=ppt/slides/slide10.xml><?xml version="1.0" encoding="utf-8"?>
+<p:sld xmlns:a="http://schemas.openxmlformats.org/drawingml/2006/main" xmlns:r="http://schemas.openxmlformats.org/officeDocument/2006/relationships" xmlns:p="http://schemas.openxmlformats.org/presentationml/2006/main">
+  <p:cSld>
+    <p:spTree>
+      <p:nvGrpSpPr>
+        <p:cNvPr id="1" name=""/>
+        <p:cNvGrpSpPr/>
+        <p:nvPr/>
+      </p:nvGrpSpPr>
+      <p:grpSpPr>
+        <a:xfrm>
+          <a:off x="0" y="0"/>
+          <a:ext cx="0" cy="0"/>
+          <a:chOff x="0" y="0"/>
+          <a:chExt cx="0" cy="0"/>
+        </a:xfrm>
+      </p:grpSpPr>
+      <p:sp>
+        <p:nvSpPr>
+          <p:cNvPr id="20" name="Номер слайда 36"/>
+          <p:cNvSpPr txBox="1">
+            <a:spLocks/>
+          </p:cNvSpPr>
+          <p:nvPr/>
+        </p:nvSpPr>
+        <p:spPr>
+          <a:xfrm>
+            <a:off x="11172564" y="6164170"/>
+            <a:ext cx="648072" cy="432048"/>
+          </a:xfrm>
+          <a:prstGeom prst="roundRect">
+            <a:avLst/>
+          </a:prstGeom>
+          <a:ln w="25400" cap="flat" cmpd="sng" algn="ctr">
+            <a:solidFill>
+              <a:schemeClr val="tx2">
+                <a:lumMod val="60000"/>
+                <a:lumOff val="40000"/>
+              </a:schemeClr>
+            </a:solidFill>
+            <a:prstDash val="solid"/>
+          </a:ln>
+        </p:spPr>
+        <p:style>
+          <a:lnRef idx="2">
+            <a:schemeClr val="accent1"/>
+          </a:lnRef>
+          <a:fillRef idx="1">
+            <a:schemeClr val="lt1"/>
+          </a:fillRef>
+          <a:effectRef idx="0">
+            <a:schemeClr val="accent1"/>
+          </a:effectRef>
+          <a:fontRef idx="minor">
+            <a:schemeClr val="dk1"/>
+          </a:fontRef>
+        </p:style>
+        <p:txBody>
+          <a:bodyPr vert="horz" lIns="91440" tIns="45720" rIns="91440" bIns="45720" rtlCol="0" anchor="ctr"/>
+          <a:lstStyle/>
+          <a:p>
+            <a:pPr algn="ctr">
+              <a:defRPr/>
+            </a:pPr>
+            <a:fld id="{6389AA22-90B4-448C-8B6B-C699140D38B9}" type="slidenum">
+              <a:rPr lang="uk-UA" sz="2400" b="1">
+                <a:solidFill>
+                  <a:schemeClr val="bg1">
+                    <a:lumMod val="50000"/>
+                  </a:schemeClr>
+                </a:solidFill>
+              </a:rPr>
+              <a:pPr algn="ctr">
+                <a:defRPr/>
+              </a:pPr>
+              <a:t>10</a:t>
+            </a:fld>
+            <a:endParaRPr lang="uk-UA" sz="2400" b="1" dirty="0">
+              <a:solidFill>
+                <a:schemeClr val="bg1">
+                  <a:lumMod val="50000"/>
+                </a:schemeClr>
+              </a:solidFill>
+            </a:endParaRPr>
+          </a:p>
+        </p:txBody>
+      </p:sp>
+      <p:sp>
+        <p:nvSpPr>
+          <p:cNvPr id="3" name="TextBox 2"/>
+          <p:cNvSpPr txBox="1"/>
+          <p:nvPr/>
+        </p:nvSpPr>
+        <p:spPr>
+          <a:xfrm>
+            <a:off x="0" y="304284"/>
+            <a:ext cx="12192000" cy="646331"/>
+          </a:xfrm>
+          <a:prstGeom prst="rect">
+            <a:avLst/>
+          </a:prstGeom>
+          <a:noFill/>
+        </p:spPr>
+        <p:txBody>
+          <a:bodyPr wrap="square" rtlCol="0">
+            <a:spAutoFit/>
+          </a:bodyPr>
+          <a:lstStyle/>
+          <a:p>
+            <a:pPr algn="ctr"/>
+            <a:r>
+              <a:rPr lang="ru-RU" sz="3600" b="1" dirty="0"/>
+              <a:t>Домашнее задание </a:t>
+            </a:r>
+            <a:r>
+              <a:rPr lang="en-US" sz="3600" b="1" dirty="0">
+                <a:solidFill>
+                  <a:srgbClr val="00B050"/>
+                </a:solidFill>
+              </a:rPr>
+              <a:t>#R.1</a:t>
+            </a:r>
+            <a:endParaRPr lang="uk-UA" sz="3600" b="1" dirty="0">
+              <a:solidFill>
+                <a:srgbClr val="00B050"/>
+              </a:solidFill>
+            </a:endParaRPr>
+          </a:p>
+        </p:txBody>
+      </p:sp>
+      <p:sp>
+        <p:nvSpPr>
+          <p:cNvPr id="5" name="TextBox 6">
+            <a:extLst>
+              <a:ext uri="{FF2B5EF4-FFF2-40B4-BE49-F238E27FC236}">
+                <a16:creationId xmlns:a16="http://schemas.microsoft.com/office/drawing/2014/main" id="{95C4D8B3-35DB-8667-1D3F-53671699725C}"/>
+              </a:ext>
+            </a:extLst>
+          </p:cNvPr>
+          <p:cNvSpPr txBox="1"/>
+          <p:nvPr/>
+        </p:nvSpPr>
+        <p:spPr>
+          <a:xfrm>
+            <a:off x="7680176" y="1052736"/>
+            <a:ext cx="4115753" cy="2031325"/>
+          </a:xfrm>
+          <a:prstGeom prst="rect">
+            <a:avLst/>
+          </a:prstGeom>
+          <a:noFill/>
+        </p:spPr>
+        <p:txBody>
+          <a:bodyPr wrap="square" rtlCol="0">
+            <a:spAutoFit/>
+          </a:bodyPr>
+          <a:lstStyle>
+            <a:defPPr>
+              <a:defRPr lang="uk-UA"/>
+            </a:defPPr>
+            <a:lvl1pPr marL="0" algn="l" defTabSz="914400" rtl="0" eaLnBrk="1" latinLnBrk="0" hangingPunct="1">
+              <a:defRPr sz="1800" kern="1200">
+                <a:solidFill>
+                  <a:schemeClr val="tx1"/>
+                </a:solidFill>
+                <a:latin typeface="+mn-lt"/>
+                <a:ea typeface="+mn-ea"/>
+                <a:cs typeface="+mn-cs"/>
+              </a:defRPr>
+            </a:lvl1pPr>
+            <a:lvl2pPr marL="457200" algn="l" defTabSz="914400" rtl="0" eaLnBrk="1" latinLnBrk="0" hangingPunct="1">
+              <a:defRPr sz="1800" kern="1200">
+                <a:solidFill>
+                  <a:schemeClr val="tx1"/>
+                </a:solidFill>
+                <a:latin typeface="+mn-lt"/>
+                <a:ea typeface="+mn-ea"/>
+                <a:cs typeface="+mn-cs"/>
+              </a:defRPr>
+            </a:lvl2pPr>
+            <a:lvl3pPr marL="914400" algn="l" defTabSz="914400" rtl="0" eaLnBrk="1" latinLnBrk="0" hangingPunct="1">
+              <a:defRPr sz="1800" kern="1200">
+                <a:solidFill>
+                  <a:schemeClr val="tx1"/>
+                </a:solidFill>
+                <a:latin typeface="+mn-lt"/>
+                <a:ea typeface="+mn-ea"/>
+                <a:cs typeface="+mn-cs"/>
+              </a:defRPr>
+            </a:lvl3pPr>
+            <a:lvl4pPr marL="1371600" algn="l" defTabSz="914400" rtl="0" eaLnBrk="1" latinLnBrk="0" hangingPunct="1">
+              <a:defRPr sz="1800" kern="1200">
+                <a:solidFill>
+                  <a:schemeClr val="tx1"/>
+                </a:solidFill>
+                <a:latin typeface="+mn-lt"/>
+                <a:ea typeface="+mn-ea"/>
+                <a:cs typeface="+mn-cs"/>
+              </a:defRPr>
+            </a:lvl4pPr>
+            <a:lvl5pPr marL="1828800" algn="l" defTabSz="914400" rtl="0" eaLnBrk="1" latinLnBrk="0" hangingPunct="1">
+              <a:defRPr sz="1800" kern="1200">
+                <a:solidFill>
+                  <a:schemeClr val="tx1"/>
+                </a:solidFill>
+                <a:latin typeface="+mn-lt"/>
+                <a:ea typeface="+mn-ea"/>
+                <a:cs typeface="+mn-cs"/>
+              </a:defRPr>
+            </a:lvl5pPr>
+            <a:lvl6pPr marL="2286000" algn="l" defTabSz="914400" rtl="0" eaLnBrk="1" latinLnBrk="0" hangingPunct="1">
+              <a:defRPr sz="1800" kern="1200">
+                <a:solidFill>
+                  <a:schemeClr val="tx1"/>
+                </a:solidFill>
+                <a:latin typeface="+mn-lt"/>
+                <a:ea typeface="+mn-ea"/>
+                <a:cs typeface="+mn-cs"/>
+              </a:defRPr>
+            </a:lvl6pPr>
+            <a:lvl7pPr marL="2743200" algn="l" defTabSz="914400" rtl="0" eaLnBrk="1" latinLnBrk="0" hangingPunct="1">
+              <a:defRPr sz="1800" kern="1200">
+                <a:solidFill>
+                  <a:schemeClr val="tx1"/>
+                </a:solidFill>
+                <a:latin typeface="+mn-lt"/>
+                <a:ea typeface="+mn-ea"/>
+                <a:cs typeface="+mn-cs"/>
+              </a:defRPr>
+            </a:lvl7pPr>
+            <a:lvl8pPr marL="3200400" algn="l" defTabSz="914400" rtl="0" eaLnBrk="1" latinLnBrk="0" hangingPunct="1">
+              <a:defRPr sz="1800" kern="1200">
+                <a:solidFill>
+                  <a:schemeClr val="tx1"/>
+                </a:solidFill>
+                <a:latin typeface="+mn-lt"/>
+                <a:ea typeface="+mn-ea"/>
+                <a:cs typeface="+mn-cs"/>
+              </a:defRPr>
+            </a:lvl8pPr>
+            <a:lvl9pPr marL="3657600" algn="l" defTabSz="914400" rtl="0" eaLnBrk="1" latinLnBrk="0" hangingPunct="1">
+              <a:defRPr sz="1800" kern="1200">
+                <a:solidFill>
+                  <a:schemeClr val="tx1"/>
+                </a:solidFill>
+                <a:latin typeface="+mn-lt"/>
+                <a:ea typeface="+mn-ea"/>
+                <a:cs typeface="+mn-cs"/>
+              </a:defRPr>
+            </a:lvl9pPr>
+          </a:lstStyle>
+          <a:p>
+            <a:r>
+              <a:rPr lang="ru-RU" dirty="0"/>
+              <a:t>Воспользуйтесь </a:t>
+            </a:r>
+            <a:r>
+              <a:rPr lang="ru-RU" b="1" dirty="0"/>
+              <a:t>сервисом</a:t>
+            </a:r>
+            <a:r>
+              <a:rPr lang="ru-RU" dirty="0"/>
+              <a:t>: </a:t>
+            </a:r>
+            <a:r>
+              <a:rPr lang="en-US" b="1" dirty="0">
+                <a:hlinkClick r:id="rId2"/>
+              </a:rPr>
+              <a:t>https://fakestoreapi.com/</a:t>
+            </a:r>
+            <a:endParaRPr lang="en-US" b="1" dirty="0"/>
+          </a:p>
+          <a:p>
+            <a:endParaRPr lang="en-US" dirty="0"/>
+          </a:p>
+          <a:p>
+            <a:r>
+              <a:rPr lang="ru-RU" dirty="0"/>
+              <a:t>А именно разделом </a:t>
+            </a:r>
+            <a:r>
+              <a:rPr lang="en-US" dirty="0">
+                <a:hlinkClick r:id="rId3"/>
+              </a:rPr>
+              <a:t>https://fakestoreapi.com/products</a:t>
+            </a:r>
+            <a:r>
+              <a:rPr lang="ru-RU" dirty="0"/>
+              <a:t> для формирования страницы со списком товаров.</a:t>
+            </a:r>
+          </a:p>
+        </p:txBody>
+      </p:sp>
+      <p:sp>
+        <p:nvSpPr>
+          <p:cNvPr id="7" name="TextBox 1">
+            <a:extLst>
+              <a:ext uri="{FF2B5EF4-FFF2-40B4-BE49-F238E27FC236}">
+                <a16:creationId xmlns:a16="http://schemas.microsoft.com/office/drawing/2014/main" id="{DCC7E139-D097-9142-91DF-9A0A0E8C2D68}"/>
+              </a:ext>
+            </a:extLst>
+          </p:cNvPr>
+          <p:cNvSpPr txBox="1"/>
+          <p:nvPr/>
+        </p:nvSpPr>
+        <p:spPr>
+          <a:xfrm>
+            <a:off x="7680175" y="3155576"/>
+            <a:ext cx="4115753" cy="3441776"/>
+          </a:xfrm>
+          <a:prstGeom prst="rect">
+            <a:avLst/>
+          </a:prstGeom>
+          <a:noFill/>
+        </p:spPr>
+        <p:txBody>
+          <a:bodyPr wrap="square" rtlCol="0">
+            <a:spAutoFit/>
+          </a:bodyPr>
+          <a:lstStyle>
+            <a:defPPr>
+              <a:defRPr lang="uk-UA"/>
+            </a:defPPr>
+            <a:lvl1pPr marL="0" algn="l" defTabSz="914400" rtl="0" eaLnBrk="1" latinLnBrk="0" hangingPunct="1">
+              <a:defRPr sz="1800" kern="1200">
+                <a:solidFill>
+                  <a:schemeClr val="tx1"/>
+                </a:solidFill>
+                <a:latin typeface="+mn-lt"/>
+                <a:ea typeface="+mn-ea"/>
+                <a:cs typeface="+mn-cs"/>
+              </a:defRPr>
+            </a:lvl1pPr>
+            <a:lvl2pPr marL="457200" algn="l" defTabSz="914400" rtl="0" eaLnBrk="1" latinLnBrk="0" hangingPunct="1">
+              <a:defRPr sz="1800" kern="1200">
+                <a:solidFill>
+                  <a:schemeClr val="tx1"/>
+                </a:solidFill>
+                <a:latin typeface="+mn-lt"/>
+                <a:ea typeface="+mn-ea"/>
+                <a:cs typeface="+mn-cs"/>
+              </a:defRPr>
+            </a:lvl2pPr>
+            <a:lvl3pPr marL="914400" algn="l" defTabSz="914400" rtl="0" eaLnBrk="1" latinLnBrk="0" hangingPunct="1">
+              <a:defRPr sz="1800" kern="1200">
+                <a:solidFill>
+                  <a:schemeClr val="tx1"/>
+                </a:solidFill>
+                <a:latin typeface="+mn-lt"/>
+                <a:ea typeface="+mn-ea"/>
+                <a:cs typeface="+mn-cs"/>
+              </a:defRPr>
+            </a:lvl3pPr>
+            <a:lvl4pPr marL="1371600" algn="l" defTabSz="914400" rtl="0" eaLnBrk="1" latinLnBrk="0" hangingPunct="1">
+              <a:defRPr sz="1800" kern="1200">
+                <a:solidFill>
+                  <a:schemeClr val="tx1"/>
+                </a:solidFill>
+                <a:latin typeface="+mn-lt"/>
+                <a:ea typeface="+mn-ea"/>
+                <a:cs typeface="+mn-cs"/>
+              </a:defRPr>
+            </a:lvl4pPr>
+            <a:lvl5pPr marL="1828800" algn="l" defTabSz="914400" rtl="0" eaLnBrk="1" latinLnBrk="0" hangingPunct="1">
+              <a:defRPr sz="1800" kern="1200">
+                <a:solidFill>
+                  <a:schemeClr val="tx1"/>
+                </a:solidFill>
+                <a:latin typeface="+mn-lt"/>
+                <a:ea typeface="+mn-ea"/>
+                <a:cs typeface="+mn-cs"/>
+              </a:defRPr>
+            </a:lvl5pPr>
+            <a:lvl6pPr marL="2286000" algn="l" defTabSz="914400" rtl="0" eaLnBrk="1" latinLnBrk="0" hangingPunct="1">
+              <a:defRPr sz="1800" kern="1200">
+                <a:solidFill>
+                  <a:schemeClr val="tx1"/>
+                </a:solidFill>
+                <a:latin typeface="+mn-lt"/>
+                <a:ea typeface="+mn-ea"/>
+                <a:cs typeface="+mn-cs"/>
+              </a:defRPr>
+            </a:lvl6pPr>
+            <a:lvl7pPr marL="2743200" algn="l" defTabSz="914400" rtl="0" eaLnBrk="1" latinLnBrk="0" hangingPunct="1">
+              <a:defRPr sz="1800" kern="1200">
+                <a:solidFill>
+                  <a:schemeClr val="tx1"/>
+                </a:solidFill>
+                <a:latin typeface="+mn-lt"/>
+                <a:ea typeface="+mn-ea"/>
+                <a:cs typeface="+mn-cs"/>
+              </a:defRPr>
+            </a:lvl7pPr>
+            <a:lvl8pPr marL="3200400" algn="l" defTabSz="914400" rtl="0" eaLnBrk="1" latinLnBrk="0" hangingPunct="1">
+              <a:defRPr sz="1800" kern="1200">
+                <a:solidFill>
+                  <a:schemeClr val="tx1"/>
+                </a:solidFill>
+                <a:latin typeface="+mn-lt"/>
+                <a:ea typeface="+mn-ea"/>
+                <a:cs typeface="+mn-cs"/>
+              </a:defRPr>
+            </a:lvl8pPr>
+            <a:lvl9pPr marL="3657600" algn="l" defTabSz="914400" rtl="0" eaLnBrk="1" latinLnBrk="0" hangingPunct="1">
+              <a:defRPr sz="1800" kern="1200">
+                <a:solidFill>
+                  <a:schemeClr val="tx1"/>
+                </a:solidFill>
+                <a:latin typeface="+mn-lt"/>
+                <a:ea typeface="+mn-ea"/>
+                <a:cs typeface="+mn-cs"/>
+              </a:defRPr>
+            </a:lvl9pPr>
+          </a:lstStyle>
+          <a:p>
+            <a:pPr>
+              <a:lnSpc>
+                <a:spcPct val="107000"/>
+              </a:lnSpc>
+              <a:spcAft>
+                <a:spcPts val="800"/>
+              </a:spcAft>
+            </a:pPr>
+            <a:r>
+              <a:rPr lang="ru-RU" sz="1800" dirty="0">
+                <a:effectLst/>
+                <a:latin typeface="Calibri" panose="020F0502020204030204" pitchFamily="34" charset="0"/>
+                <a:ea typeface="Calibri" panose="020F0502020204030204" pitchFamily="34" charset="0"/>
+                <a:cs typeface="Times New Roman" panose="02020603050405020304" pitchFamily="18" charset="0"/>
+              </a:rPr>
+              <a:t>Реализуйте вывод списка товаров, а также обеспечьте работу </a:t>
+            </a:r>
+            <a:r>
+              <a:rPr lang="ru-RU" sz="1800" b="1" dirty="0">
+                <a:solidFill>
+                  <a:schemeClr val="accent6">
+                    <a:lumMod val="75000"/>
+                  </a:schemeClr>
+                </a:solidFill>
+                <a:effectLst/>
+                <a:latin typeface="Calibri" panose="020F0502020204030204" pitchFamily="34" charset="0"/>
+                <a:ea typeface="Calibri" panose="020F0502020204030204" pitchFamily="34" charset="0"/>
+                <a:cs typeface="Times New Roman" panose="02020603050405020304" pitchFamily="18" charset="0"/>
+              </a:rPr>
+              <a:t>сортировки</a:t>
+            </a:r>
+            <a:r>
+              <a:rPr lang="ru-RU" sz="1800" dirty="0">
+                <a:effectLst/>
+                <a:latin typeface="Calibri" panose="020F0502020204030204" pitchFamily="34" charset="0"/>
+                <a:ea typeface="Calibri" panose="020F0502020204030204" pitchFamily="34" charset="0"/>
+                <a:cs typeface="Times New Roman" panose="02020603050405020304" pitchFamily="18" charset="0"/>
+              </a:rPr>
+              <a:t> по цене</a:t>
+            </a:r>
+            <a:r>
+              <a:rPr lang="en-US" sz="1800" dirty="0">
+                <a:effectLst/>
+                <a:latin typeface="Calibri" panose="020F0502020204030204" pitchFamily="34" charset="0"/>
+                <a:ea typeface="Calibri" panose="020F0502020204030204" pitchFamily="34" charset="0"/>
+                <a:cs typeface="Times New Roman" panose="02020603050405020304" pitchFamily="18" charset="0"/>
+              </a:rPr>
+              <a:t> </a:t>
+            </a:r>
+            <a:r>
+              <a:rPr lang="ru-RU" sz="1800" dirty="0">
+                <a:effectLst/>
+                <a:latin typeface="Calibri" panose="020F0502020204030204" pitchFamily="34" charset="0"/>
+                <a:ea typeface="Calibri" panose="020F0502020204030204" pitchFamily="34" charset="0"/>
+                <a:cs typeface="Times New Roman" panose="02020603050405020304" pitchFamily="18" charset="0"/>
+              </a:rPr>
+              <a:t>и </a:t>
+            </a:r>
+            <a:r>
+              <a:rPr lang="ru-RU" sz="1800" b="1" dirty="0">
+                <a:solidFill>
+                  <a:schemeClr val="accent6">
+                    <a:lumMod val="75000"/>
+                  </a:schemeClr>
+                </a:solidFill>
+                <a:effectLst/>
+                <a:latin typeface="Calibri" panose="020F0502020204030204" pitchFamily="34" charset="0"/>
+                <a:ea typeface="Calibri" panose="020F0502020204030204" pitchFamily="34" charset="0"/>
+                <a:cs typeface="Times New Roman" panose="02020603050405020304" pitchFamily="18" charset="0"/>
+              </a:rPr>
+              <a:t>поиска !по всем полям! товара</a:t>
+            </a:r>
+            <a:r>
+              <a:rPr lang="ru-RU" sz="1800" b="1" dirty="0">
+                <a:effectLst/>
+                <a:latin typeface="Calibri" panose="020F0502020204030204" pitchFamily="34" charset="0"/>
+                <a:ea typeface="Calibri" panose="020F0502020204030204" pitchFamily="34" charset="0"/>
+                <a:cs typeface="Times New Roman" panose="02020603050405020304" pitchFamily="18" charset="0"/>
+              </a:rPr>
+              <a:t> </a:t>
+            </a:r>
+            <a:r>
+              <a:rPr lang="ru-RU" sz="1800" dirty="0">
+                <a:effectLst/>
+                <a:latin typeface="Calibri" panose="020F0502020204030204" pitchFamily="34" charset="0"/>
+                <a:ea typeface="Calibri" panose="020F0502020204030204" pitchFamily="34" charset="0"/>
+                <a:cs typeface="Times New Roman" panose="02020603050405020304" pitchFamily="18" charset="0"/>
+              </a:rPr>
+              <a:t>которые</a:t>
+            </a:r>
+            <a:r>
+              <a:rPr lang="ru-RU" sz="1800" b="1" dirty="0">
+                <a:effectLst/>
+                <a:latin typeface="Calibri" panose="020F0502020204030204" pitchFamily="34" charset="0"/>
+                <a:ea typeface="Calibri" panose="020F0502020204030204" pitchFamily="34" charset="0"/>
+                <a:cs typeface="Times New Roman" panose="02020603050405020304" pitchFamily="18" charset="0"/>
+              </a:rPr>
+              <a:t> </a:t>
+            </a:r>
+            <a:r>
+              <a:rPr lang="ru-RU" sz="1800" b="1" dirty="0">
+                <a:solidFill>
+                  <a:schemeClr val="accent6">
+                    <a:lumMod val="75000"/>
+                  </a:schemeClr>
+                </a:solidFill>
+                <a:effectLst/>
+                <a:latin typeface="Calibri" panose="020F0502020204030204" pitchFamily="34" charset="0"/>
+                <a:ea typeface="Calibri" panose="020F0502020204030204" pitchFamily="34" charset="0"/>
+                <a:cs typeface="Times New Roman" panose="02020603050405020304" pitchFamily="18" charset="0"/>
+              </a:rPr>
+              <a:t>должны работать одновременно</a:t>
+            </a:r>
+            <a:r>
+              <a:rPr lang="ru-RU" sz="1800" dirty="0">
+                <a:effectLst/>
+                <a:latin typeface="Calibri" panose="020F0502020204030204" pitchFamily="34" charset="0"/>
+                <a:ea typeface="Calibri" panose="020F0502020204030204" pitchFamily="34" charset="0"/>
+                <a:cs typeface="Times New Roman" panose="02020603050405020304" pitchFamily="18" charset="0"/>
+              </a:rPr>
+              <a:t>. Кроме того добавляется еще фильтр по цене!</a:t>
+            </a:r>
+          </a:p>
+          <a:p>
+            <a:pPr>
+              <a:lnSpc>
+                <a:spcPct val="107000"/>
+              </a:lnSpc>
+              <a:spcAft>
+                <a:spcPts val="800"/>
+              </a:spcAft>
+            </a:pPr>
+            <a:br>
+              <a:rPr lang="ru-RU" sz="1800" dirty="0">
+                <a:effectLst/>
+                <a:latin typeface="Calibri" panose="020F0502020204030204" pitchFamily="34" charset="0"/>
+                <a:ea typeface="Calibri" panose="020F0502020204030204" pitchFamily="34" charset="0"/>
+                <a:cs typeface="Times New Roman" panose="02020603050405020304" pitchFamily="18" charset="0"/>
+              </a:rPr>
+            </a:br>
+            <a:r>
+              <a:rPr lang="ru-RU" b="1" dirty="0">
+                <a:latin typeface="Calibri" panose="020F0502020204030204" pitchFamily="34" charset="0"/>
+                <a:ea typeface="Calibri" panose="020F0502020204030204" pitchFamily="34" charset="0"/>
+                <a:cs typeface="Times New Roman" panose="02020603050405020304" pitchFamily="18" charset="0"/>
+              </a:rPr>
+              <a:t>И</a:t>
+            </a:r>
+            <a:r>
+              <a:rPr lang="ru-RU" sz="1800" b="1" dirty="0">
+                <a:effectLst/>
+                <a:latin typeface="Calibri" panose="020F0502020204030204" pitchFamily="34" charset="0"/>
+                <a:ea typeface="Calibri" panose="020F0502020204030204" pitchFamily="34" charset="0"/>
+                <a:cs typeface="Times New Roman" panose="02020603050405020304" pitchFamily="18" charset="0"/>
+              </a:rPr>
+              <a:t>значально</a:t>
+            </a:r>
+            <a:r>
+              <a:rPr lang="ru-RU" sz="1800" dirty="0">
+                <a:effectLst/>
+                <a:latin typeface="Calibri" panose="020F0502020204030204" pitchFamily="34" charset="0"/>
+                <a:ea typeface="Calibri" panose="020F0502020204030204" pitchFamily="34" charset="0"/>
+                <a:cs typeface="Times New Roman" panose="02020603050405020304" pitchFamily="18" charset="0"/>
+              </a:rPr>
+              <a:t> (после загрузки страницы) </a:t>
+            </a:r>
+            <a:r>
+              <a:rPr lang="ru-RU" sz="1800" b="1" dirty="0">
+                <a:effectLst/>
+                <a:latin typeface="Calibri" panose="020F0502020204030204" pitchFamily="34" charset="0"/>
+                <a:ea typeface="Calibri" panose="020F0502020204030204" pitchFamily="34" charset="0"/>
+                <a:cs typeface="Times New Roman" panose="02020603050405020304" pitchFamily="18" charset="0"/>
+              </a:rPr>
+              <a:t>должен выводиться список в той же последовательности, в которой пришли данные от API</a:t>
+            </a:r>
+            <a:r>
+              <a:rPr lang="ru-RU" sz="1800" dirty="0">
+                <a:effectLst/>
+                <a:latin typeface="Calibri" panose="020F0502020204030204" pitchFamily="34" charset="0"/>
+                <a:ea typeface="Calibri" panose="020F0502020204030204" pitchFamily="34" charset="0"/>
+                <a:cs typeface="Times New Roman" panose="02020603050405020304" pitchFamily="18" charset="0"/>
+              </a:rPr>
+              <a:t>.  </a:t>
+            </a:r>
+            <a:endParaRPr lang="uk-UA" sz="1800" dirty="0">
+              <a:effectLst/>
+              <a:latin typeface="Calibri" panose="020F0502020204030204" pitchFamily="34" charset="0"/>
+              <a:ea typeface="Calibri" panose="020F0502020204030204" pitchFamily="34" charset="0"/>
+              <a:cs typeface="Times New Roman" panose="02020603050405020304" pitchFamily="18" charset="0"/>
+            </a:endParaRPr>
+          </a:p>
+        </p:txBody>
+      </p:sp>
+      <p:pic>
+        <p:nvPicPr>
+          <p:cNvPr id="13" name="Рисунок 12">
+            <a:extLst>
+              <a:ext uri="{FF2B5EF4-FFF2-40B4-BE49-F238E27FC236}">
+                <a16:creationId xmlns:a16="http://schemas.microsoft.com/office/drawing/2014/main" id="{310E6DD1-2B8B-FAA1-E852-BD914763C603}"/>
+              </a:ext>
+            </a:extLst>
+          </p:cNvPr>
+          <p:cNvPicPr>
+            <a:picLocks noChangeAspect="1"/>
+          </p:cNvPicPr>
+          <p:nvPr/>
+        </p:nvPicPr>
+        <p:blipFill>
+          <a:blip r:embed="rId4"/>
+          <a:stretch>
+            <a:fillRect/>
+          </a:stretch>
+        </p:blipFill>
+        <p:spPr>
+          <a:xfrm>
+            <a:off x="551384" y="1037190"/>
+            <a:ext cx="6766002" cy="5820810"/>
+          </a:xfrm>
+          <a:prstGeom prst="rect">
+            <a:avLst/>
+          </a:prstGeom>
+        </p:spPr>
+      </p:pic>
+    </p:spTree>
+    <p:extLst>
+      <p:ext uri="{BB962C8B-B14F-4D97-AF65-F5344CB8AC3E}">
+        <p14:creationId xmlns:p14="http://schemas.microsoft.com/office/powerpoint/2010/main" val="1614643305"/>
+      </p:ext>
+    </p:extLst>
+  </p:cSld>
+  <p:clrMapOvr>
+    <a:masterClrMapping/>
+  </p:clrMapOvr>
+</p:sld>
+</file>
+
 <file path=ppt/slides/slide2.xml><?xml version="1.0" encoding="utf-8"?>
 <p:sld xmlns:a="http://schemas.openxmlformats.org/drawingml/2006/main" xmlns:r="http://schemas.openxmlformats.org/officeDocument/2006/relationships" xmlns:p="http://schemas.openxmlformats.org/presentationml/2006/main">
   <p:cSld>
@@ -6597,6 +7352,83 @@
     <p:extLst>
       <p:ext uri="{BB962C8B-B14F-4D97-AF65-F5344CB8AC3E}">
         <p14:creationId xmlns:p14="http://schemas.microsoft.com/office/powerpoint/2010/main" val="3807967643"/>
+      </p:ext>
+    </p:extLst>
+  </p:cSld>
+  <p:clrMapOvr>
+    <a:masterClrMapping/>
+  </p:clrMapOvr>
+</p:sld>
+</file>
+
+<file path=ppt/slides/slide9.xml><?xml version="1.0" encoding="utf-8"?>
+<p:sld xmlns:a="http://schemas.openxmlformats.org/drawingml/2006/main" xmlns:r="http://schemas.openxmlformats.org/officeDocument/2006/relationships" xmlns:p="http://schemas.openxmlformats.org/presentationml/2006/main">
+  <p:cSld>
+    <p:spTree>
+      <p:nvGrpSpPr>
+        <p:cNvPr id="1" name=""/>
+        <p:cNvGrpSpPr/>
+        <p:nvPr/>
+      </p:nvGrpSpPr>
+      <p:grpSpPr>
+        <a:xfrm>
+          <a:off x="0" y="0"/>
+          <a:ext cx="0" cy="0"/>
+          <a:chOff x="0" y="0"/>
+          <a:chExt cx="0" cy="0"/>
+        </a:xfrm>
+      </p:grpSpPr>
+      <p:sp>
+        <p:nvSpPr>
+          <p:cNvPr id="5" name="Прямоугольник 4"/>
+          <p:cNvSpPr/>
+          <p:nvPr/>
+        </p:nvSpPr>
+        <p:spPr>
+          <a:xfrm>
+            <a:off x="0" y="0"/>
+            <a:ext cx="12192000" cy="6858000"/>
+          </a:xfrm>
+          <a:prstGeom prst="rect">
+            <a:avLst/>
+          </a:prstGeom>
+          <a:solidFill>
+            <a:srgbClr val="002060"/>
+          </a:solidFill>
+        </p:spPr>
+        <p:style>
+          <a:lnRef idx="2">
+            <a:schemeClr val="accent1">
+              <a:shade val="50000"/>
+            </a:schemeClr>
+          </a:lnRef>
+          <a:fillRef idx="1">
+            <a:schemeClr val="accent1"/>
+          </a:fillRef>
+          <a:effectRef idx="0">
+            <a:schemeClr val="accent1"/>
+          </a:effectRef>
+          <a:fontRef idx="minor">
+            <a:schemeClr val="lt1"/>
+          </a:fontRef>
+        </p:style>
+        <p:txBody>
+          <a:bodyPr rtlCol="0" anchor="ctr"/>
+          <a:lstStyle/>
+          <a:p>
+            <a:pPr algn="ctr"/>
+            <a:r>
+              <a:rPr lang="ru-RU" sz="6000" b="1" dirty="0"/>
+              <a:t>Домашнее задание</a:t>
+            </a:r>
+            <a:endParaRPr lang="uk-UA" sz="6000" b="1" dirty="0"/>
+          </a:p>
+        </p:txBody>
+      </p:sp>
+    </p:spTree>
+    <p:extLst>
+      <p:ext uri="{BB962C8B-B14F-4D97-AF65-F5344CB8AC3E}">
+        <p14:creationId xmlns:p14="http://schemas.microsoft.com/office/powerpoint/2010/main" val="1597000273"/>
       </p:ext>
     </p:extLst>
   </p:cSld>
